--- a/draft-tgraf-opsawg-ipfix-on-path-telemetry-00.pptx
+++ b/draft-tgraf-opsawg-ipfix-on-path-telemetry-00.pptx
@@ -1067,7 +1067,7 @@
           <a:p>
             <a:fld id="{E5E705E9-673F-4AC4-B29E-A7B26F3B8523}" type="datetimeFigureOut">
               <a:rPr lang="de-CH" smtClean="0"/>
-              <a:t>28.10.2022</a:t>
+              <a:t>29.10.2022</a:t>
             </a:fld>
             <a:endParaRPr lang="de-CH"/>
           </a:p>
@@ -1568,7 +1568,7 @@
           <a:p>
             <a:fld id="{9E9B238C-2335-4007-98C9-471C02CC43B6}" type="datetimeFigureOut">
               <a:rPr lang="de-CH" smtClean="0"/>
-              <a:t>28.10.2022</a:t>
+              <a:t>29.10.2022</a:t>
             </a:fld>
             <a:endParaRPr lang="de-CH"/>
           </a:p>
@@ -1768,7 +1768,7 @@
           <a:p>
             <a:fld id="{9E9B238C-2335-4007-98C9-471C02CC43B6}" type="datetimeFigureOut">
               <a:rPr lang="de-CH" smtClean="0"/>
-              <a:t>28.10.2022</a:t>
+              <a:t>29.10.2022</a:t>
             </a:fld>
             <a:endParaRPr lang="de-CH"/>
           </a:p>
@@ -1978,7 +1978,7 @@
           <a:p>
             <a:fld id="{9E9B238C-2335-4007-98C9-471C02CC43B6}" type="datetimeFigureOut">
               <a:rPr lang="de-CH" smtClean="0"/>
-              <a:t>28.10.2022</a:t>
+              <a:t>29.10.2022</a:t>
             </a:fld>
             <a:endParaRPr lang="de-CH"/>
           </a:p>
@@ -2407,7 +2407,7 @@
           <a:p>
             <a:fld id="{9E9B238C-2335-4007-98C9-471C02CC43B6}" type="datetimeFigureOut">
               <a:rPr lang="de-CH" smtClean="0"/>
-              <a:t>28.10.2022</a:t>
+              <a:t>29.10.2022</a:t>
             </a:fld>
             <a:endParaRPr lang="de-CH"/>
           </a:p>
@@ -2683,7 +2683,7 @@
           <a:p>
             <a:fld id="{9E9B238C-2335-4007-98C9-471C02CC43B6}" type="datetimeFigureOut">
               <a:rPr lang="de-CH" smtClean="0"/>
-              <a:t>28.10.2022</a:t>
+              <a:t>29.10.2022</a:t>
             </a:fld>
             <a:endParaRPr lang="de-CH"/>
           </a:p>
@@ -2951,7 +2951,7 @@
           <a:p>
             <a:fld id="{9E9B238C-2335-4007-98C9-471C02CC43B6}" type="datetimeFigureOut">
               <a:rPr lang="de-CH" smtClean="0"/>
-              <a:t>28.10.2022</a:t>
+              <a:t>29.10.2022</a:t>
             </a:fld>
             <a:endParaRPr lang="de-CH"/>
           </a:p>
@@ -3366,7 +3366,7 @@
           <a:p>
             <a:fld id="{9E9B238C-2335-4007-98C9-471C02CC43B6}" type="datetimeFigureOut">
               <a:rPr lang="de-CH" smtClean="0"/>
-              <a:t>28.10.2022</a:t>
+              <a:t>29.10.2022</a:t>
             </a:fld>
             <a:endParaRPr lang="de-CH"/>
           </a:p>
@@ -3508,7 +3508,7 @@
           <a:p>
             <a:fld id="{9E9B238C-2335-4007-98C9-471C02CC43B6}" type="datetimeFigureOut">
               <a:rPr lang="de-CH" smtClean="0"/>
-              <a:t>28.10.2022</a:t>
+              <a:t>29.10.2022</a:t>
             </a:fld>
             <a:endParaRPr lang="de-CH"/>
           </a:p>
@@ -3621,7 +3621,7 @@
           <a:p>
             <a:fld id="{9E9B238C-2335-4007-98C9-471C02CC43B6}" type="datetimeFigureOut">
               <a:rPr lang="de-CH" smtClean="0"/>
-              <a:t>28.10.2022</a:t>
+              <a:t>29.10.2022</a:t>
             </a:fld>
             <a:endParaRPr lang="de-CH"/>
           </a:p>
@@ -3934,7 +3934,7 @@
           <a:p>
             <a:fld id="{9E9B238C-2335-4007-98C9-471C02CC43B6}" type="datetimeFigureOut">
               <a:rPr lang="de-CH" smtClean="0"/>
-              <a:t>28.10.2022</a:t>
+              <a:t>29.10.2022</a:t>
             </a:fld>
             <a:endParaRPr lang="de-CH"/>
           </a:p>
@@ -4223,7 +4223,7 @@
           <a:p>
             <a:fld id="{9E9B238C-2335-4007-98C9-471C02CC43B6}" type="datetimeFigureOut">
               <a:rPr lang="de-CH" smtClean="0"/>
-              <a:t>28.10.2022</a:t>
+              <a:t>29.10.2022</a:t>
             </a:fld>
             <a:endParaRPr lang="de-CH"/>
           </a:p>
@@ -4466,7 +4466,7 @@
           <a:p>
             <a:fld id="{9E9B238C-2335-4007-98C9-471C02CC43B6}" type="datetimeFigureOut">
               <a:rPr lang="de-CH" smtClean="0"/>
-              <a:t>28.10.2022</a:t>
+              <a:t>29.10.2022</a:t>
             </a:fld>
             <a:endParaRPr lang="de-CH"/>
           </a:p>
@@ -5288,7 +5288,7 @@
               <a:rPr lang="de-CH" sz="3800" dirty="0">
                 <a:latin typeface="+mj-lt"/>
               </a:rPr>
-              <a:t>28. </a:t>
+              <a:t>29. </a:t>
             </a:r>
             <a:r>
               <a:rPr lang="de-CH" sz="3800" dirty="0" err="1">
@@ -5710,12 +5710,12 @@
           </a:lstStyle>
           <a:p>
             <a:r>
-              <a:rPr lang="en-US" sz="3100" b="1" dirty="0" err="1"/>
-              <a:t>Inband</a:t>
+              <a:rPr lang="en-US" sz="2800" b="1" dirty="0"/>
+              <a:t>On-Path Delay </a:t>
             </a:r>
             <a:r>
               <a:rPr lang="en-US" sz="3100" b="1" dirty="0"/>
-              <a:t> Telemetry with IPFIX Flow-Aggregation</a:t>
+              <a:t>with IPFIX Flow-Aggregation</a:t>
             </a:r>
             <a:br>
               <a:rPr lang="en-GB" sz="2800" dirty="0"/>
@@ -7088,7 +7088,7 @@
               <a:rPr lang="de-CH" sz="3800" dirty="0">
                 <a:latin typeface="+mj-lt"/>
               </a:rPr>
-              <a:t>28. </a:t>
+              <a:t>29. </a:t>
             </a:r>
             <a:r>
               <a:rPr lang="de-CH" sz="3800" dirty="0" err="1">

--- a/draft-tgraf-opsawg-ipfix-on-path-telemetry-00.pptx
+++ b/draft-tgraf-opsawg-ipfix-on-path-telemetry-00.pptx
@@ -5445,15 +5445,7 @@
             </a:pPr>
             <a:r>
               <a:rPr lang="en-US" sz="1700" b="1" dirty="0"/>
-              <a:t>With </a:t>
-            </a:r>
-            <a:r>
-              <a:rPr lang="en-US" sz="1700" b="1" dirty="0" err="1"/>
-              <a:t>Inband</a:t>
-            </a:r>
-            <a:r>
-              <a:rPr lang="en-US" sz="1700" b="1" dirty="0"/>
-              <a:t> Telemetry</a:t>
+              <a:t>With On-Path delay measurement</a:t>
             </a:r>
             <a:r>
               <a:rPr lang="en-US" sz="1700" dirty="0"/>
@@ -5473,7 +5465,7 @@
             </a:r>
             <a:r>
               <a:rPr lang="en-US" sz="1700" dirty="0"/>
-              <a:t>actively (probing) or passively. Metrics are exposed on every node, postcards or only at the last node (passport).</a:t>
+              <a:t>actively (probing) or passively. Metrics are exposed on every IOAM node, postcards or only at the last node (passport).</a:t>
             </a:r>
           </a:p>
           <a:p>
@@ -5554,12 +5546,8 @@
               <a:buChar char="•"/>
             </a:pPr>
             <a:r>
-              <a:rPr lang="en-US" sz="1700" b="1" dirty="0" err="1"/>
-              <a:t>Inband</a:t>
-            </a:r>
-            <a:r>
               <a:rPr lang="en-US" sz="1700" b="1" dirty="0"/>
-              <a:t> Telemetry lacks Flow Aggregation support </a:t>
+              <a:t>On-Path delay measurement lacks Flow Aggregation support </a:t>
             </a:r>
             <a:r>
               <a:rPr lang="en-US" sz="1700" dirty="0"/>
@@ -5615,15 +5603,7 @@
             </a:r>
             <a:r>
               <a:rPr lang="en-US" sz="1700" b="1" dirty="0"/>
-              <a:t>adds the </a:t>
-            </a:r>
-            <a:r>
-              <a:rPr lang="en-US" sz="1700" b="1" dirty="0" err="1"/>
-              <a:t>Inband</a:t>
-            </a:r>
-            <a:r>
-              <a:rPr lang="en-US" sz="1700" b="1" dirty="0"/>
-              <a:t> Telemetry path delay metric definition</a:t>
+              <a:t>adds the On-Path delay metric definition</a:t>
             </a:r>
             <a:r>
               <a:rPr lang="en-US" sz="1700" dirty="0"/>
@@ -5890,7 +5870,7 @@
                   <a:srgbClr val="FF0000"/>
                 </a:solidFill>
               </a:rPr>
-              <a:t> of </a:t>
+              <a:t> of On-Path </a:t>
             </a:r>
             <a:r>
               <a:rPr lang="de-CH" sz="1700" dirty="0" err="1">
@@ -5898,7 +5878,7 @@
                   <a:srgbClr val="FF0000"/>
                 </a:solidFill>
               </a:rPr>
-              <a:t>Inband</a:t>
+              <a:t>delay</a:t>
             </a:r>
             <a:r>
               <a:rPr lang="de-CH" sz="1700" dirty="0">
@@ -5906,7 +5886,23 @@
                   <a:srgbClr val="FF0000"/>
                 </a:solidFill>
               </a:rPr>
-              <a:t> Telemetry, </a:t>
+              <a:t> </a:t>
+            </a:r>
+            <a:r>
+              <a:rPr lang="de-CH" sz="1700" dirty="0" err="1">
+                <a:solidFill>
+                  <a:srgbClr val="FF0000"/>
+                </a:solidFill>
+              </a:rPr>
+              <a:t>measurement</a:t>
+            </a:r>
+            <a:r>
+              <a:rPr lang="de-CH" sz="1700" dirty="0">
+                <a:solidFill>
+                  <a:srgbClr val="FF0000"/>
+                </a:solidFill>
+              </a:rPr>
+              <a:t>, </a:t>
             </a:r>
             <a:r>
               <a:rPr lang="en-US" sz="1700" b="1" dirty="0"/>
@@ -5914,15 +5910,7 @@
             </a:r>
             <a:r>
               <a:rPr lang="en-US" sz="1700" dirty="0"/>
-              <a:t>to the packet header when entering the </a:t>
-            </a:r>
-            <a:r>
-              <a:rPr lang="en-US" sz="1700" dirty="0" err="1"/>
-              <a:t>Inband</a:t>
-            </a:r>
-            <a:r>
-              <a:rPr lang="en-US" sz="1700" dirty="0"/>
-              <a:t> Telemetry domain.</a:t>
+              <a:t>to the packet header when entering the On-Path delay measurement domain.</a:t>
             </a:r>
           </a:p>
           <a:p>
@@ -5972,7 +5960,7 @@
                   <a:srgbClr val="FF0000"/>
                 </a:solidFill>
               </a:rPr>
-              <a:t> of </a:t>
+              <a:t> of On-Path </a:t>
             </a:r>
             <a:r>
               <a:rPr lang="de-CH" sz="1700" dirty="0" err="1">
@@ -5980,7 +5968,7 @@
                   <a:srgbClr val="FF0000"/>
                 </a:solidFill>
               </a:rPr>
-              <a:t>Inband</a:t>
+              <a:t>delay</a:t>
             </a:r>
             <a:r>
               <a:rPr lang="de-CH" sz="1700" dirty="0">
@@ -5988,7 +5976,23 @@
                   <a:srgbClr val="FF0000"/>
                 </a:solidFill>
               </a:rPr>
-              <a:t> Telemetry, </a:t>
+              <a:t> </a:t>
+            </a:r>
+            <a:r>
+              <a:rPr lang="de-CH" sz="1700" dirty="0" err="1">
+                <a:solidFill>
+                  <a:srgbClr val="FF0000"/>
+                </a:solidFill>
+              </a:rPr>
+              <a:t>measurement</a:t>
+            </a:r>
+            <a:r>
+              <a:rPr lang="de-CH" sz="1700" dirty="0">
+                <a:solidFill>
+                  <a:srgbClr val="FF0000"/>
+                </a:solidFill>
+              </a:rPr>
+              <a:t>, </a:t>
             </a:r>
             <a:r>
               <a:rPr lang="en-US" sz="1700" dirty="0"/>
@@ -6197,8 +6201,8 @@
         </p:nvSpPr>
         <p:spPr>
           <a:xfrm>
-            <a:off x="838199" y="1884420"/>
-            <a:ext cx="8208819" cy="4292543"/>
+            <a:off x="838200" y="1884420"/>
+            <a:ext cx="7408654" cy="4292543"/>
           </a:xfrm>
         </p:spPr>
         <p:txBody>
@@ -6288,10 +6292,10 @@
       </p:sp>
       <p:pic>
         <p:nvPicPr>
-          <p:cNvPr id="6" name="Picture 5">
-            <a:extLst>
-              <a:ext uri="{FF2B5EF4-FFF2-40B4-BE49-F238E27FC236}">
-                <a16:creationId xmlns:a16="http://schemas.microsoft.com/office/drawing/2014/main" id="{68DA07EF-23F0-46BB-B6AF-43249254C78C}"/>
+          <p:cNvPr id="5" name="Picture 4">
+            <a:extLst>
+              <a:ext uri="{FF2B5EF4-FFF2-40B4-BE49-F238E27FC236}">
+                <a16:creationId xmlns:a16="http://schemas.microsoft.com/office/drawing/2014/main" id="{56D27233-1534-4CB5-9D49-F9660D8781E1}"/>
               </a:ext>
             </a:extLst>
           </p:cNvPr>
@@ -6308,14 +6312,226 @@
         </p:blipFill>
         <p:spPr>
           <a:xfrm>
-            <a:off x="9045343" y="886691"/>
-            <a:ext cx="2956799" cy="4072457"/>
+            <a:off x="8878267" y="1000664"/>
+            <a:ext cx="2936702" cy="4117437"/>
           </a:xfrm>
           <a:prstGeom prst="rect">
             <a:avLst/>
           </a:prstGeom>
         </p:spPr>
       </p:pic>
+    </p:spTree>
+    <p:extLst>
+      <p:ext uri="{BB962C8B-B14F-4D97-AF65-F5344CB8AC3E}">
+        <p14:creationId xmlns:p14="http://schemas.microsoft.com/office/powerpoint/2010/main" val="958437681"/>
+      </p:ext>
+    </p:extLst>
+  </p:cSld>
+  <p:clrMapOvr>
+    <a:masterClrMapping/>
+  </p:clrMapOvr>
+</p:sld>
+</file>
+
+<file path=ppt/slides/slide5.xml><?xml version="1.0" encoding="utf-8"?>
+<p:sld xmlns:a="http://schemas.openxmlformats.org/drawingml/2006/main" xmlns:r="http://schemas.openxmlformats.org/officeDocument/2006/relationships" xmlns:p="http://schemas.openxmlformats.org/presentationml/2006/main">
+  <p:cSld>
+    <p:spTree>
+      <p:nvGrpSpPr>
+        <p:cNvPr id="1" name=""/>
+        <p:cNvGrpSpPr/>
+        <p:nvPr/>
+      </p:nvGrpSpPr>
+      <p:grpSpPr>
+        <a:xfrm>
+          <a:off x="0" y="0"/>
+          <a:ext cx="0" cy="0"/>
+          <a:chOff x="0" y="0"/>
+          <a:chExt cx="0" cy="0"/>
+        </a:xfrm>
+      </p:grpSpPr>
+      <p:sp>
+        <p:nvSpPr>
+          <p:cNvPr id="2" name="Title 1">
+            <a:extLst>
+              <a:ext uri="{FF2B5EF4-FFF2-40B4-BE49-F238E27FC236}">
+                <a16:creationId xmlns:a16="http://schemas.microsoft.com/office/drawing/2014/main" id="{FF20F271-6F0D-4AC0-BB1D-F5C338165C13}"/>
+              </a:ext>
+            </a:extLst>
+          </p:cNvPr>
+          <p:cNvSpPr>
+            <a:spLocks noGrp="1"/>
+          </p:cNvSpPr>
+          <p:nvPr>
+            <p:ph type="title"/>
+          </p:nvPr>
+        </p:nvSpPr>
+        <p:spPr/>
+        <p:txBody>
+          <a:bodyPr>
+            <a:normAutofit/>
+          </a:bodyPr>
+          <a:lstStyle/>
+          <a:p>
+            <a:r>
+              <a:rPr lang="en-US" sz="2800" b="1" dirty="0"/>
+              <a:t>On-Path Delay @ IPFIX</a:t>
+            </a:r>
+            <a:br>
+              <a:rPr lang="en-GB" sz="3600" dirty="0"/>
+            </a:br>
+            <a:r>
+              <a:rPr lang="en-US" sz="2700" dirty="0">
+                <a:solidFill>
+                  <a:schemeClr val="bg2">
+                    <a:lumMod val="75000"/>
+                  </a:schemeClr>
+                </a:solidFill>
+              </a:rPr>
+              <a:t>Next steps</a:t>
+            </a:r>
+          </a:p>
+        </p:txBody>
+      </p:sp>
+      <p:sp>
+        <p:nvSpPr>
+          <p:cNvPr id="3" name="Content Placeholder 2">
+            <a:extLst>
+              <a:ext uri="{FF2B5EF4-FFF2-40B4-BE49-F238E27FC236}">
+                <a16:creationId xmlns:a16="http://schemas.microsoft.com/office/drawing/2014/main" id="{29C0DFD4-432D-4B0C-93DF-790441DCF5B9}"/>
+              </a:ext>
+            </a:extLst>
+          </p:cNvPr>
+          <p:cNvSpPr>
+            <a:spLocks noGrp="1"/>
+          </p:cNvSpPr>
+          <p:nvPr>
+            <p:ph idx="1"/>
+          </p:nvPr>
+        </p:nvSpPr>
+        <p:spPr>
+          <a:xfrm>
+            <a:off x="838199" y="1884420"/>
+            <a:ext cx="8208819" cy="4292543"/>
+          </a:xfrm>
+        </p:spPr>
+        <p:txBody>
+          <a:bodyPr>
+            <a:noAutofit/>
+          </a:bodyPr>
+          <a:lstStyle/>
+          <a:p>
+            <a:r>
+              <a:rPr lang="en-US" sz="2000" b="1" dirty="0"/>
+              <a:t>Do you recognize the problem statement?</a:t>
+            </a:r>
+            <a:endParaRPr lang="en-US" sz="2000" dirty="0"/>
+          </a:p>
+          <a:p>
+            <a:r>
+              <a:rPr lang="en-US" sz="2000" dirty="0"/>
+              <a:t>Network operators want to understand </a:t>
+            </a:r>
+          </a:p>
+          <a:p>
+            <a:pPr lvl="1"/>
+            <a:r>
+              <a:rPr lang="en-US" sz="2000" b="1" dirty="0"/>
+              <a:t>where delay with which network and device dimensions </a:t>
+            </a:r>
+            <a:r>
+              <a:rPr lang="en-US" sz="2000" dirty="0"/>
+              <a:t>is being accumulated </a:t>
+            </a:r>
+          </a:p>
+          <a:p>
+            <a:pPr lvl="1"/>
+            <a:r>
+              <a:rPr lang="en-US" sz="2000" dirty="0"/>
+              <a:t>at highest scale </a:t>
+            </a:r>
+            <a:r>
+              <a:rPr lang="en-US" sz="2000" b="1" dirty="0"/>
+              <a:t>for a statistical network delay view</a:t>
+            </a:r>
+            <a:r>
+              <a:rPr lang="en-US" sz="2000" dirty="0"/>
+              <a:t>. </a:t>
+            </a:r>
+          </a:p>
+          <a:p>
+            <a:r>
+              <a:rPr lang="en-US" sz="2000" dirty="0"/>
+              <a:t>IEs in document defined are independent from how the delay is being metered.</a:t>
+            </a:r>
+          </a:p>
+          <a:p>
+            <a:r>
+              <a:rPr lang="en-US" sz="2000" dirty="0"/>
+              <a:t>Two vendors are validating technical feasibility. Others showing interest.</a:t>
+            </a:r>
+          </a:p>
+          <a:p>
+            <a:r>
+              <a:rPr lang="en-US" sz="2000" dirty="0"/>
+              <a:t>INSA Lyon working on running open-source code in FD.io VPP. </a:t>
+            </a:r>
+            <a:br>
+              <a:rPr lang="en-US" sz="2000" dirty="0"/>
+            </a:br>
+            <a:r>
+              <a:rPr lang="en-US" sz="2000" b="1" dirty="0"/>
+              <a:t>Will be shown at IETF 116 hackathon.</a:t>
+            </a:r>
+          </a:p>
+          <a:p>
+            <a:r>
+              <a:rPr lang="en-US" sz="2000" dirty="0"/>
+              <a:t>Draft version -01 will contain data record and template examples.</a:t>
+            </a:r>
+          </a:p>
+          <a:p>
+            <a:r>
+              <a:rPr lang="en-US" sz="2000" b="1" dirty="0"/>
+              <a:t>-&gt; Requesting adoption at OPSAWG.</a:t>
+            </a:r>
+          </a:p>
+        </p:txBody>
+      </p:sp>
+      <p:sp>
+        <p:nvSpPr>
+          <p:cNvPr id="16" name="Slide Number Placeholder 1">
+            <a:extLst>
+              <a:ext uri="{FF2B5EF4-FFF2-40B4-BE49-F238E27FC236}">
+                <a16:creationId xmlns:a16="http://schemas.microsoft.com/office/drawing/2014/main" id="{4D0044F8-1C12-4A59-883A-7B56B9370029}"/>
+              </a:ext>
+            </a:extLst>
+          </p:cNvPr>
+          <p:cNvSpPr>
+            <a:spLocks noGrp="1"/>
+          </p:cNvSpPr>
+          <p:nvPr>
+            <p:ph type="sldNum" sz="quarter" idx="12"/>
+          </p:nvPr>
+        </p:nvSpPr>
+        <p:spPr>
+          <a:xfrm>
+            <a:off x="11607800" y="6362700"/>
+            <a:ext cx="414338" cy="365125"/>
+          </a:xfrm>
+        </p:spPr>
+        <p:txBody>
+          <a:bodyPr/>
+          <a:lstStyle/>
+          <a:p>
+            <a:fld id="{FC4AC485-25DE-431E-B345-9C0A15BB7F8A}" type="slidenum">
+              <a:rPr lang="en-US" sz="2200" smtClean="0"/>
+              <a:t>5</a:t>
+            </a:fld>
+            <a:endParaRPr lang="en-US" sz="2200"/>
+          </a:p>
+        </p:txBody>
+      </p:sp>
       <p:sp>
         <p:nvSpPr>
           <p:cNvPr id="7" name="Subtitle 4">
@@ -6571,7 +6787,7 @@
               <a:rPr lang="de-CH" sz="3800" dirty="0">
                 <a:latin typeface="+mj-lt"/>
               </a:rPr>
-              <a:t>28. </a:t>
+              <a:t>29. </a:t>
             </a:r>
             <a:r>
               <a:rPr lang="de-CH" sz="3800" dirty="0" err="1">
@@ -6594,221 +6810,12 @@
           </a:p>
         </p:txBody>
       </p:sp>
-    </p:spTree>
-    <p:extLst>
-      <p:ext uri="{BB962C8B-B14F-4D97-AF65-F5344CB8AC3E}">
-        <p14:creationId xmlns:p14="http://schemas.microsoft.com/office/powerpoint/2010/main" val="958437681"/>
-      </p:ext>
-    </p:extLst>
-  </p:cSld>
-  <p:clrMapOvr>
-    <a:masterClrMapping/>
-  </p:clrMapOvr>
-</p:sld>
-</file>
-
-<file path=ppt/slides/slide5.xml><?xml version="1.0" encoding="utf-8"?>
-<p:sld xmlns:a="http://schemas.openxmlformats.org/drawingml/2006/main" xmlns:r="http://schemas.openxmlformats.org/officeDocument/2006/relationships" xmlns:p="http://schemas.openxmlformats.org/presentationml/2006/main">
-  <p:cSld>
-    <p:spTree>
-      <p:nvGrpSpPr>
-        <p:cNvPr id="1" name=""/>
-        <p:cNvGrpSpPr/>
-        <p:nvPr/>
-      </p:nvGrpSpPr>
-      <p:grpSpPr>
-        <a:xfrm>
-          <a:off x="0" y="0"/>
-          <a:ext cx="0" cy="0"/>
-          <a:chOff x="0" y="0"/>
-          <a:chExt cx="0" cy="0"/>
-        </a:xfrm>
-      </p:grpSpPr>
-      <p:sp>
-        <p:nvSpPr>
-          <p:cNvPr id="2" name="Title 1">
-            <a:extLst>
-              <a:ext uri="{FF2B5EF4-FFF2-40B4-BE49-F238E27FC236}">
-                <a16:creationId xmlns:a16="http://schemas.microsoft.com/office/drawing/2014/main" id="{FF20F271-6F0D-4AC0-BB1D-F5C338165C13}"/>
-              </a:ext>
-            </a:extLst>
-          </p:cNvPr>
-          <p:cNvSpPr>
-            <a:spLocks noGrp="1"/>
-          </p:cNvSpPr>
-          <p:nvPr>
-            <p:ph type="title"/>
-          </p:nvPr>
-        </p:nvSpPr>
-        <p:spPr/>
-        <p:txBody>
-          <a:bodyPr>
-            <a:normAutofit/>
-          </a:bodyPr>
-          <a:lstStyle/>
-          <a:p>
-            <a:r>
-              <a:rPr lang="en-US" sz="2800" b="1" dirty="0"/>
-              <a:t>On-Path Delay @ IPFIX</a:t>
-            </a:r>
-            <a:br>
-              <a:rPr lang="en-GB" sz="3600" dirty="0"/>
-            </a:br>
-            <a:r>
-              <a:rPr lang="en-US" sz="2700" dirty="0">
-                <a:solidFill>
-                  <a:schemeClr val="bg2">
-                    <a:lumMod val="75000"/>
-                  </a:schemeClr>
-                </a:solidFill>
-              </a:rPr>
-              <a:t>Next steps</a:t>
-            </a:r>
-          </a:p>
-        </p:txBody>
-      </p:sp>
-      <p:sp>
-        <p:nvSpPr>
-          <p:cNvPr id="3" name="Content Placeholder 2">
-            <a:extLst>
-              <a:ext uri="{FF2B5EF4-FFF2-40B4-BE49-F238E27FC236}">
-                <a16:creationId xmlns:a16="http://schemas.microsoft.com/office/drawing/2014/main" id="{29C0DFD4-432D-4B0C-93DF-790441DCF5B9}"/>
-              </a:ext>
-            </a:extLst>
-          </p:cNvPr>
-          <p:cNvSpPr>
-            <a:spLocks noGrp="1"/>
-          </p:cNvSpPr>
-          <p:nvPr>
-            <p:ph idx="1"/>
-          </p:nvPr>
-        </p:nvSpPr>
-        <p:spPr>
-          <a:xfrm>
-            <a:off x="838199" y="1884420"/>
-            <a:ext cx="8208819" cy="4292543"/>
-          </a:xfrm>
-        </p:spPr>
-        <p:txBody>
-          <a:bodyPr>
-            <a:noAutofit/>
-          </a:bodyPr>
-          <a:lstStyle/>
-          <a:p>
-            <a:r>
-              <a:rPr lang="en-US" sz="2000" b="1" dirty="0"/>
-              <a:t>Do you recognize the problem statement?</a:t>
-            </a:r>
-            <a:endParaRPr lang="en-US" sz="2000" dirty="0"/>
-          </a:p>
-          <a:p>
-            <a:r>
-              <a:rPr lang="en-US" sz="2000" dirty="0"/>
-              <a:t>Network operators want to understand </a:t>
-            </a:r>
-          </a:p>
-          <a:p>
-            <a:pPr lvl="1"/>
-            <a:r>
-              <a:rPr lang="en-US" sz="2000" b="1" dirty="0"/>
-              <a:t>where delay with which network and device dimensions </a:t>
-            </a:r>
-            <a:r>
-              <a:rPr lang="en-US" sz="2000" dirty="0"/>
-              <a:t>is being accumulated </a:t>
-            </a:r>
-          </a:p>
-          <a:p>
-            <a:pPr lvl="1"/>
-            <a:r>
-              <a:rPr lang="en-US" sz="2000" dirty="0"/>
-              <a:t>at highest scale </a:t>
-            </a:r>
-            <a:r>
-              <a:rPr lang="en-US" sz="2000" b="1" dirty="0"/>
-              <a:t>for a statistical network delay view</a:t>
-            </a:r>
-            <a:r>
-              <a:rPr lang="en-US" sz="2000" dirty="0"/>
-              <a:t>. </a:t>
-            </a:r>
-          </a:p>
-          <a:p>
-            <a:r>
-              <a:rPr lang="en-US" sz="2000" dirty="0"/>
-              <a:t>IEs in document defined are independent from how the delay is being metered.</a:t>
-            </a:r>
-          </a:p>
-          <a:p>
-            <a:r>
-              <a:rPr lang="en-US" sz="2000" dirty="0"/>
-              <a:t>Two vendors are validating technical feasibility. Others showing interest.</a:t>
-            </a:r>
-          </a:p>
-          <a:p>
-            <a:r>
-              <a:rPr lang="en-US" sz="2000" dirty="0"/>
-              <a:t>INSA Lyon working on running open-source code in FD.io VPP. </a:t>
-            </a:r>
-            <a:r>
-              <a:rPr lang="en-US" sz="2000" b="1" dirty="0"/>
-              <a:t>Will be shown at IETF 116 hackathon.</a:t>
-            </a:r>
-          </a:p>
-          <a:p>
-            <a:r>
-              <a:rPr lang="en-US" sz="2000" dirty="0"/>
-              <a:t>Draft version -01 will contain data record and template examples.</a:t>
-            </a:r>
-          </a:p>
-          <a:p>
-            <a:r>
-              <a:rPr lang="en-US" sz="2000" b="1" dirty="0"/>
-              <a:t>-&gt; Requesting adoption at OPSAWG.</a:t>
-            </a:r>
-          </a:p>
-        </p:txBody>
-      </p:sp>
-      <p:sp>
-        <p:nvSpPr>
-          <p:cNvPr id="16" name="Slide Number Placeholder 1">
-            <a:extLst>
-              <a:ext uri="{FF2B5EF4-FFF2-40B4-BE49-F238E27FC236}">
-                <a16:creationId xmlns:a16="http://schemas.microsoft.com/office/drawing/2014/main" id="{4D0044F8-1C12-4A59-883A-7B56B9370029}"/>
-              </a:ext>
-            </a:extLst>
-          </p:cNvPr>
-          <p:cNvSpPr>
-            <a:spLocks noGrp="1"/>
-          </p:cNvSpPr>
-          <p:nvPr>
-            <p:ph type="sldNum" sz="quarter" idx="12"/>
-          </p:nvPr>
-        </p:nvSpPr>
-        <p:spPr>
-          <a:xfrm>
-            <a:off x="11607800" y="6362700"/>
-            <a:ext cx="414338" cy="365125"/>
-          </a:xfrm>
-        </p:spPr>
-        <p:txBody>
-          <a:bodyPr/>
-          <a:lstStyle/>
-          <a:p>
-            <a:fld id="{FC4AC485-25DE-431E-B345-9C0A15BB7F8A}" type="slidenum">
-              <a:rPr lang="en-US" sz="2200" smtClean="0"/>
-              <a:t>5</a:t>
-            </a:fld>
-            <a:endParaRPr lang="en-US" sz="2200"/>
-          </a:p>
-        </p:txBody>
-      </p:sp>
       <p:pic>
         <p:nvPicPr>
-          <p:cNvPr id="6" name="Picture 5">
-            <a:extLst>
-              <a:ext uri="{FF2B5EF4-FFF2-40B4-BE49-F238E27FC236}">
-                <a16:creationId xmlns:a16="http://schemas.microsoft.com/office/drawing/2014/main" id="{68DA07EF-23F0-46BB-B6AF-43249254C78C}"/>
+          <p:cNvPr id="8" name="Picture 7">
+            <a:extLst>
+              <a:ext uri="{FF2B5EF4-FFF2-40B4-BE49-F238E27FC236}">
+                <a16:creationId xmlns:a16="http://schemas.microsoft.com/office/drawing/2014/main" id="{1DD4BD0F-EB09-48CB-B010-C77B6429171A}"/>
               </a:ext>
             </a:extLst>
           </p:cNvPr>
@@ -6825,292 +6832,14 @@
         </p:blipFill>
         <p:spPr>
           <a:xfrm>
-            <a:off x="9045343" y="886691"/>
-            <a:ext cx="2956799" cy="4072457"/>
+            <a:off x="8878267" y="1000664"/>
+            <a:ext cx="2936702" cy="4117437"/>
           </a:xfrm>
           <a:prstGeom prst="rect">
             <a:avLst/>
           </a:prstGeom>
         </p:spPr>
       </p:pic>
-      <p:sp>
-        <p:nvSpPr>
-          <p:cNvPr id="7" name="Subtitle 4">
-            <a:extLst>
-              <a:ext uri="{FF2B5EF4-FFF2-40B4-BE49-F238E27FC236}">
-                <a16:creationId xmlns:a16="http://schemas.microsoft.com/office/drawing/2014/main" id="{BF6DCC5D-2508-4A9B-B734-C8C5147F93FB}"/>
-              </a:ext>
-            </a:extLst>
-          </p:cNvPr>
-          <p:cNvSpPr txBox="1">
-            <a:spLocks/>
-          </p:cNvSpPr>
-          <p:nvPr/>
-        </p:nvSpPr>
-        <p:spPr>
-          <a:xfrm>
-            <a:off x="838200" y="5311833"/>
-            <a:ext cx="11163943" cy="1049803"/>
-          </a:xfrm>
-          <a:prstGeom prst="rect">
-            <a:avLst/>
-          </a:prstGeom>
-        </p:spPr>
-        <p:txBody>
-          <a:bodyPr vert="horz" lIns="91440" tIns="45720" rIns="91440" bIns="45720" rtlCol="0">
-            <a:normAutofit fontScale="40000" lnSpcReduction="20000"/>
-          </a:bodyPr>
-          <a:lstStyle>
-            <a:lvl1pPr marL="228600" indent="-228600" algn="l" defTabSz="914400" rtl="0" eaLnBrk="1" latinLnBrk="0" hangingPunct="1">
-              <a:lnSpc>
-                <a:spcPct val="90000"/>
-              </a:lnSpc>
-              <a:spcBef>
-                <a:spcPts val="1000"/>
-              </a:spcBef>
-              <a:buFont typeface="Arial" panose="020B0604020202020204" pitchFamily="34" charset="0"/>
-              <a:buChar char="•"/>
-              <a:defRPr sz="2800" kern="1200">
-                <a:solidFill>
-                  <a:schemeClr val="tx1"/>
-                </a:solidFill>
-                <a:latin typeface="+mn-lt"/>
-                <a:ea typeface="+mn-ea"/>
-                <a:cs typeface="+mn-cs"/>
-              </a:defRPr>
-            </a:lvl1pPr>
-            <a:lvl2pPr marL="685800" indent="-228600" algn="l" defTabSz="914400" rtl="0" eaLnBrk="1" latinLnBrk="0" hangingPunct="1">
-              <a:lnSpc>
-                <a:spcPct val="90000"/>
-              </a:lnSpc>
-              <a:spcBef>
-                <a:spcPts val="500"/>
-              </a:spcBef>
-              <a:buFont typeface="Arial" panose="020B0604020202020204" pitchFamily="34" charset="0"/>
-              <a:buChar char="•"/>
-              <a:defRPr sz="2400" kern="1200">
-                <a:solidFill>
-                  <a:schemeClr val="tx1"/>
-                </a:solidFill>
-                <a:latin typeface="+mn-lt"/>
-                <a:ea typeface="+mn-ea"/>
-                <a:cs typeface="+mn-cs"/>
-              </a:defRPr>
-            </a:lvl2pPr>
-            <a:lvl3pPr marL="1143000" indent="-228600" algn="l" defTabSz="914400" rtl="0" eaLnBrk="1" latinLnBrk="0" hangingPunct="1">
-              <a:lnSpc>
-                <a:spcPct val="90000"/>
-              </a:lnSpc>
-              <a:spcBef>
-                <a:spcPts val="500"/>
-              </a:spcBef>
-              <a:buFont typeface="Arial" panose="020B0604020202020204" pitchFamily="34" charset="0"/>
-              <a:buChar char="•"/>
-              <a:defRPr sz="2000" kern="1200">
-                <a:solidFill>
-                  <a:schemeClr val="tx1"/>
-                </a:solidFill>
-                <a:latin typeface="+mn-lt"/>
-                <a:ea typeface="+mn-ea"/>
-                <a:cs typeface="+mn-cs"/>
-              </a:defRPr>
-            </a:lvl3pPr>
-            <a:lvl4pPr marL="1600200" indent="-228600" algn="l" defTabSz="914400" rtl="0" eaLnBrk="1" latinLnBrk="0" hangingPunct="1">
-              <a:lnSpc>
-                <a:spcPct val="90000"/>
-              </a:lnSpc>
-              <a:spcBef>
-                <a:spcPts val="500"/>
-              </a:spcBef>
-              <a:buFont typeface="Arial" panose="020B0604020202020204" pitchFamily="34" charset="0"/>
-              <a:buChar char="•"/>
-              <a:defRPr sz="1800" kern="1200">
-                <a:solidFill>
-                  <a:schemeClr val="tx1"/>
-                </a:solidFill>
-                <a:latin typeface="+mn-lt"/>
-                <a:ea typeface="+mn-ea"/>
-                <a:cs typeface="+mn-cs"/>
-              </a:defRPr>
-            </a:lvl4pPr>
-            <a:lvl5pPr marL="2057400" indent="-228600" algn="l" defTabSz="914400" rtl="0" eaLnBrk="1" latinLnBrk="0" hangingPunct="1">
-              <a:lnSpc>
-                <a:spcPct val="90000"/>
-              </a:lnSpc>
-              <a:spcBef>
-                <a:spcPts val="500"/>
-              </a:spcBef>
-              <a:buFont typeface="Arial" panose="020B0604020202020204" pitchFamily="34" charset="0"/>
-              <a:buChar char="•"/>
-              <a:defRPr sz="1800" kern="1200">
-                <a:solidFill>
-                  <a:schemeClr val="tx1"/>
-                </a:solidFill>
-                <a:latin typeface="+mn-lt"/>
-                <a:ea typeface="+mn-ea"/>
-                <a:cs typeface="+mn-cs"/>
-              </a:defRPr>
-            </a:lvl5pPr>
-            <a:lvl6pPr marL="2514600" indent="-228600" algn="l" defTabSz="914400" rtl="0" eaLnBrk="1" latinLnBrk="0" hangingPunct="1">
-              <a:lnSpc>
-                <a:spcPct val="90000"/>
-              </a:lnSpc>
-              <a:spcBef>
-                <a:spcPts val="500"/>
-              </a:spcBef>
-              <a:buFont typeface="Arial" panose="020B0604020202020204" pitchFamily="34" charset="0"/>
-              <a:buChar char="•"/>
-              <a:defRPr sz="1800" kern="1200">
-                <a:solidFill>
-                  <a:schemeClr val="tx1"/>
-                </a:solidFill>
-                <a:latin typeface="+mn-lt"/>
-                <a:ea typeface="+mn-ea"/>
-                <a:cs typeface="+mn-cs"/>
-              </a:defRPr>
-            </a:lvl6pPr>
-            <a:lvl7pPr marL="2971800" indent="-228600" algn="l" defTabSz="914400" rtl="0" eaLnBrk="1" latinLnBrk="0" hangingPunct="1">
-              <a:lnSpc>
-                <a:spcPct val="90000"/>
-              </a:lnSpc>
-              <a:spcBef>
-                <a:spcPts val="500"/>
-              </a:spcBef>
-              <a:buFont typeface="Arial" panose="020B0604020202020204" pitchFamily="34" charset="0"/>
-              <a:buChar char="•"/>
-              <a:defRPr sz="1800" kern="1200">
-                <a:solidFill>
-                  <a:schemeClr val="tx1"/>
-                </a:solidFill>
-                <a:latin typeface="+mn-lt"/>
-                <a:ea typeface="+mn-ea"/>
-                <a:cs typeface="+mn-cs"/>
-              </a:defRPr>
-            </a:lvl7pPr>
-            <a:lvl8pPr marL="3429000" indent="-228600" algn="l" defTabSz="914400" rtl="0" eaLnBrk="1" latinLnBrk="0" hangingPunct="1">
-              <a:lnSpc>
-                <a:spcPct val="90000"/>
-              </a:lnSpc>
-              <a:spcBef>
-                <a:spcPts val="500"/>
-              </a:spcBef>
-              <a:buFont typeface="Arial" panose="020B0604020202020204" pitchFamily="34" charset="0"/>
-              <a:buChar char="•"/>
-              <a:defRPr sz="1800" kern="1200">
-                <a:solidFill>
-                  <a:schemeClr val="tx1"/>
-                </a:solidFill>
-                <a:latin typeface="+mn-lt"/>
-                <a:ea typeface="+mn-ea"/>
-                <a:cs typeface="+mn-cs"/>
-              </a:defRPr>
-            </a:lvl8pPr>
-            <a:lvl9pPr marL="3886200" indent="-228600" algn="l" defTabSz="914400" rtl="0" eaLnBrk="1" latinLnBrk="0" hangingPunct="1">
-              <a:lnSpc>
-                <a:spcPct val="90000"/>
-              </a:lnSpc>
-              <a:spcBef>
-                <a:spcPts val="500"/>
-              </a:spcBef>
-              <a:buFont typeface="Arial" panose="020B0604020202020204" pitchFamily="34" charset="0"/>
-              <a:buChar char="•"/>
-              <a:defRPr sz="1800" kern="1200">
-                <a:solidFill>
-                  <a:schemeClr val="tx1"/>
-                </a:solidFill>
-                <a:latin typeface="+mn-lt"/>
-                <a:ea typeface="+mn-ea"/>
-                <a:cs typeface="+mn-cs"/>
-              </a:defRPr>
-            </a:lvl9pPr>
-          </a:lstStyle>
-          <a:p>
-            <a:pPr marL="0" indent="0" algn="r">
-              <a:spcBef>
-                <a:spcPts val="300"/>
-              </a:spcBef>
-              <a:buNone/>
-            </a:pPr>
-            <a:r>
-              <a:rPr lang="de-CH" sz="3800" dirty="0">
-                <a:latin typeface="+mj-lt"/>
-              </a:rPr>
-              <a:t>thomas.graf@swisscom.com</a:t>
-            </a:r>
-          </a:p>
-          <a:p>
-            <a:pPr marL="0" indent="0" algn="r">
-              <a:spcBef>
-                <a:spcPts val="300"/>
-              </a:spcBef>
-              <a:buNone/>
-            </a:pPr>
-            <a:r>
-              <a:rPr lang="de-CH" sz="3800" dirty="0">
-                <a:latin typeface="+mj-lt"/>
-              </a:rPr>
-              <a:t>benoit.claise@huawei.com</a:t>
-            </a:r>
-          </a:p>
-          <a:p>
-            <a:pPr marL="0" indent="0" algn="r">
-              <a:spcBef>
-                <a:spcPts val="300"/>
-              </a:spcBef>
-              <a:buNone/>
-            </a:pPr>
-            <a:r>
-              <a:rPr lang="de-CH" sz="3800" dirty="0">
-                <a:latin typeface="+mj-lt"/>
-              </a:rPr>
-              <a:t>alex.huang-feng@insa-lyon.fr</a:t>
-            </a:r>
-          </a:p>
-          <a:p>
-            <a:pPr marL="0" indent="0" algn="r">
-              <a:spcBef>
-                <a:spcPts val="300"/>
-              </a:spcBef>
-              <a:buNone/>
-            </a:pPr>
-            <a:endParaRPr lang="de-CH" sz="3800" dirty="0">
-              <a:latin typeface="+mj-lt"/>
-            </a:endParaRPr>
-          </a:p>
-          <a:p>
-            <a:pPr marL="0" indent="0" algn="r">
-              <a:spcBef>
-                <a:spcPts val="300"/>
-              </a:spcBef>
-              <a:buNone/>
-            </a:pPr>
-            <a:r>
-              <a:rPr lang="de-CH" sz="3800" dirty="0">
-                <a:latin typeface="+mj-lt"/>
-              </a:rPr>
-              <a:t>29. </a:t>
-            </a:r>
-            <a:r>
-              <a:rPr lang="de-CH" sz="3800" dirty="0" err="1">
-                <a:latin typeface="+mj-lt"/>
-                <a:ea typeface="+mj-ea"/>
-                <a:cs typeface="+mj-cs"/>
-              </a:rPr>
-              <a:t>October</a:t>
-            </a:r>
-            <a:r>
-              <a:rPr lang="de-CH" sz="3800" dirty="0">
-                <a:latin typeface="+mj-lt"/>
-              </a:rPr>
-              <a:t> 2022</a:t>
-            </a:r>
-          </a:p>
-          <a:p>
-            <a:pPr algn="r"/>
-            <a:endParaRPr lang="de-CH" sz="2200" dirty="0"/>
-          </a:p>
-        </p:txBody>
-      </p:sp>
     </p:spTree>
     <p:extLst>
       <p:ext uri="{BB962C8B-B14F-4D97-AF65-F5344CB8AC3E}">
